--- a/figures/figures.pptx
+++ b/figures/figures.pptx
@@ -5,13 +5,14 @@
     <p:sldMasterId id="2147483648" r:id="rId1"/>
   </p:sldMasterIdLst>
   <p:notesMasterIdLst>
-    <p:notesMasterId r:id="rId6"/>
+    <p:notesMasterId r:id="rId7"/>
   </p:notesMasterIdLst>
   <p:sldIdLst>
     <p:sldId id="256" r:id="rId2"/>
     <p:sldId id="257" r:id="rId3"/>
     <p:sldId id="258" r:id="rId4"/>
     <p:sldId id="259" r:id="rId5"/>
+    <p:sldId id="260" r:id="rId6"/>
   </p:sldIdLst>
   <p:sldSz cx="12192000" cy="6858000"/>
   <p:notesSz cx="6858000" cy="9144000"/>
@@ -110,6 +111,11 @@
       </a:defRPr>
     </a:lvl9pPr>
   </p:defaultTextStyle>
+  <p:extLst>
+    <p:ext uri="{EFAFB233-063F-42B5-8137-9DF3F51BA10A}">
+      <p15:sldGuideLst xmlns:p15="http://schemas.microsoft.com/office/powerpoint/2012/main"/>
+    </p:ext>
+  </p:extLst>
 </p:presentation>
 </file>
 
@@ -195,7 +201,7 @@
           <a:p>
             <a:fld id="{B01C15E7-3779-4535-91AF-32CE4BB0A7D5}" type="datetimeFigureOut">
               <a:rPr kumimoji="1" lang="ja-JP" altLang="en-US" smtClean="0"/>
-              <a:t>2024/4/3</a:t>
+              <a:t>2024/7/12</a:t>
             </a:fld>
             <a:endParaRPr kumimoji="1" lang="ja-JP" altLang="en-US"/>
           </a:p>
@@ -725,7 +731,7 @@
           <a:p>
             <a:fld id="{93D14D3B-41E8-434C-82AF-551043ED3ECC}" type="datetimeFigureOut">
               <a:rPr kumimoji="1" lang="ja-JP" altLang="en-US" smtClean="0"/>
-              <a:t>2024/4/3</a:t>
+              <a:t>2024/7/12</a:t>
             </a:fld>
             <a:endParaRPr kumimoji="1" lang="ja-JP" altLang="en-US"/>
           </a:p>
@@ -955,7 +961,7 @@
           <a:p>
             <a:fld id="{93D14D3B-41E8-434C-82AF-551043ED3ECC}" type="datetimeFigureOut">
               <a:rPr kumimoji="1" lang="ja-JP" altLang="en-US" smtClean="0"/>
-              <a:t>2024/4/3</a:t>
+              <a:t>2024/7/12</a:t>
             </a:fld>
             <a:endParaRPr kumimoji="1" lang="ja-JP" altLang="en-US"/>
           </a:p>
@@ -1195,7 +1201,7 @@
           <a:p>
             <a:fld id="{93D14D3B-41E8-434C-82AF-551043ED3ECC}" type="datetimeFigureOut">
               <a:rPr kumimoji="1" lang="ja-JP" altLang="en-US" smtClean="0"/>
-              <a:t>2024/4/3</a:t>
+              <a:t>2024/7/12</a:t>
             </a:fld>
             <a:endParaRPr kumimoji="1" lang="ja-JP" altLang="en-US"/>
           </a:p>
@@ -1425,7 +1431,7 @@
           <a:p>
             <a:fld id="{93D14D3B-41E8-434C-82AF-551043ED3ECC}" type="datetimeFigureOut">
               <a:rPr kumimoji="1" lang="ja-JP" altLang="en-US" smtClean="0"/>
-              <a:t>2024/4/3</a:t>
+              <a:t>2024/7/12</a:t>
             </a:fld>
             <a:endParaRPr kumimoji="1" lang="ja-JP" altLang="en-US"/>
           </a:p>
@@ -1700,7 +1706,7 @@
           <a:p>
             <a:fld id="{93D14D3B-41E8-434C-82AF-551043ED3ECC}" type="datetimeFigureOut">
               <a:rPr kumimoji="1" lang="ja-JP" altLang="en-US" smtClean="0"/>
-              <a:t>2024/4/3</a:t>
+              <a:t>2024/7/12</a:t>
             </a:fld>
             <a:endParaRPr kumimoji="1" lang="ja-JP" altLang="en-US"/>
           </a:p>
@@ -2029,7 +2035,7 @@
           <a:p>
             <a:fld id="{93D14D3B-41E8-434C-82AF-551043ED3ECC}" type="datetimeFigureOut">
               <a:rPr kumimoji="1" lang="ja-JP" altLang="en-US" smtClean="0"/>
-              <a:t>2024/4/3</a:t>
+              <a:t>2024/7/12</a:t>
             </a:fld>
             <a:endParaRPr kumimoji="1" lang="ja-JP" altLang="en-US"/>
           </a:p>
@@ -2505,7 +2511,7 @@
           <a:p>
             <a:fld id="{93D14D3B-41E8-434C-82AF-551043ED3ECC}" type="datetimeFigureOut">
               <a:rPr kumimoji="1" lang="ja-JP" altLang="en-US" smtClean="0"/>
-              <a:t>2024/4/3</a:t>
+              <a:t>2024/7/12</a:t>
             </a:fld>
             <a:endParaRPr kumimoji="1" lang="ja-JP" altLang="en-US"/>
           </a:p>
@@ -2646,7 +2652,7 @@
           <a:p>
             <a:fld id="{93D14D3B-41E8-434C-82AF-551043ED3ECC}" type="datetimeFigureOut">
               <a:rPr kumimoji="1" lang="ja-JP" altLang="en-US" smtClean="0"/>
-              <a:t>2024/4/3</a:t>
+              <a:t>2024/7/12</a:t>
             </a:fld>
             <a:endParaRPr kumimoji="1" lang="ja-JP" altLang="en-US"/>
           </a:p>
@@ -2759,7 +2765,7 @@
           <a:p>
             <a:fld id="{93D14D3B-41E8-434C-82AF-551043ED3ECC}" type="datetimeFigureOut">
               <a:rPr kumimoji="1" lang="ja-JP" altLang="en-US" smtClean="0"/>
-              <a:t>2024/4/3</a:t>
+              <a:t>2024/7/12</a:t>
             </a:fld>
             <a:endParaRPr kumimoji="1" lang="ja-JP" altLang="en-US"/>
           </a:p>
@@ -3102,7 +3108,7 @@
           <a:p>
             <a:fld id="{93D14D3B-41E8-434C-82AF-551043ED3ECC}" type="datetimeFigureOut">
               <a:rPr kumimoji="1" lang="ja-JP" altLang="en-US" smtClean="0"/>
-              <a:t>2024/4/3</a:t>
+              <a:t>2024/7/12</a:t>
             </a:fld>
             <a:endParaRPr kumimoji="1" lang="ja-JP" altLang="en-US"/>
           </a:p>
@@ -3390,7 +3396,7 @@
           <a:p>
             <a:fld id="{93D14D3B-41E8-434C-82AF-551043ED3ECC}" type="datetimeFigureOut">
               <a:rPr kumimoji="1" lang="ja-JP" altLang="en-US" smtClean="0"/>
-              <a:t>2024/4/3</a:t>
+              <a:t>2024/7/12</a:t>
             </a:fld>
             <a:endParaRPr kumimoji="1" lang="ja-JP" altLang="en-US"/>
           </a:p>
@@ -3663,7 +3669,7 @@
           <a:p>
             <a:fld id="{93D14D3B-41E8-434C-82AF-551043ED3ECC}" type="datetimeFigureOut">
               <a:rPr kumimoji="1" lang="ja-JP" altLang="en-US" smtClean="0"/>
-              <a:t>2024/4/3</a:t>
+              <a:t>2024/7/12</a:t>
             </a:fld>
             <a:endParaRPr kumimoji="1" lang="ja-JP" altLang="en-US"/>
           </a:p>
@@ -14034,6 +14040,281 @@
     <p:extLst>
       <p:ext uri="{BB962C8B-B14F-4D97-AF65-F5344CB8AC3E}">
         <p14:creationId xmlns:p14="http://schemas.microsoft.com/office/powerpoint/2010/main" val="482126098"/>
+      </p:ext>
+    </p:extLst>
+  </p:cSld>
+  <p:clrMapOvr>
+    <a:masterClrMapping/>
+  </p:clrMapOvr>
+</p:sld>
+</file>
+
+<file path=ppt/slides/slide5.xml><?xml version="1.0" encoding="utf-8"?>
+<p:sld xmlns:a="http://schemas.openxmlformats.org/drawingml/2006/main" xmlns:r="http://schemas.openxmlformats.org/officeDocument/2006/relationships" xmlns:p="http://schemas.openxmlformats.org/presentationml/2006/main">
+  <p:cSld>
+    <p:spTree>
+      <p:nvGrpSpPr>
+        <p:cNvPr id="1" name=""/>
+        <p:cNvGrpSpPr/>
+        <p:nvPr/>
+      </p:nvGrpSpPr>
+      <p:grpSpPr>
+        <a:xfrm>
+          <a:off x="0" y="0"/>
+          <a:ext cx="0" cy="0"/>
+          <a:chOff x="0" y="0"/>
+          <a:chExt cx="0" cy="0"/>
+        </a:xfrm>
+      </p:grpSpPr>
+      <p:pic>
+        <p:nvPicPr>
+          <p:cNvPr id="5" name="図 4">
+            <a:extLst>
+              <a:ext uri="{FF2B5EF4-FFF2-40B4-BE49-F238E27FC236}">
+                <a16:creationId xmlns:a16="http://schemas.microsoft.com/office/drawing/2014/main" id="{71C469A5-98CC-6F6D-3589-0DE69DFB0EB5}"/>
+              </a:ext>
+            </a:extLst>
+          </p:cNvPr>
+          <p:cNvPicPr>
+            <a:picLocks noChangeAspect="1"/>
+          </p:cNvPicPr>
+          <p:nvPr/>
+        </p:nvPicPr>
+        <p:blipFill>
+          <a:blip r:embed="rId2"/>
+          <a:stretch>
+            <a:fillRect/>
+          </a:stretch>
+        </p:blipFill>
+        <p:spPr>
+          <a:xfrm>
+            <a:off x="1454563" y="728803"/>
+            <a:ext cx="2829320" cy="3219899"/>
+          </a:xfrm>
+          <a:prstGeom prst="rect">
+            <a:avLst/>
+          </a:prstGeom>
+        </p:spPr>
+      </p:pic>
+      <p:pic>
+        <p:nvPicPr>
+          <p:cNvPr id="7" name="図 6">
+            <a:extLst>
+              <a:ext uri="{FF2B5EF4-FFF2-40B4-BE49-F238E27FC236}">
+                <a16:creationId xmlns:a16="http://schemas.microsoft.com/office/drawing/2014/main" id="{5C237F36-E2F9-4091-9251-C3676FA5CFF4}"/>
+              </a:ext>
+            </a:extLst>
+          </p:cNvPr>
+          <p:cNvPicPr>
+            <a:picLocks noChangeAspect="1"/>
+          </p:cNvPicPr>
+          <p:nvPr/>
+        </p:nvPicPr>
+        <p:blipFill rotWithShape="1">
+          <a:blip r:embed="rId3">
+            <a:extLst>
+              <a:ext uri="{28A0092B-C50C-407E-A947-70E740481C1C}">
+                <a14:useLocalDpi xmlns:a14="http://schemas.microsoft.com/office/drawing/2010/main" val="0"/>
+              </a:ext>
+            </a:extLst>
+          </a:blip>
+          <a:srcRect l="21995" t="49103" r="24351" b="12307"/>
+          <a:stretch/>
+        </p:blipFill>
+        <p:spPr>
+          <a:xfrm>
+            <a:off x="5609492" y="1576954"/>
+            <a:ext cx="4317023" cy="1746537"/>
+          </a:xfrm>
+          <a:prstGeom prst="rect">
+            <a:avLst/>
+          </a:prstGeom>
+        </p:spPr>
+      </p:pic>
+      <p:sp>
+        <p:nvSpPr>
+          <p:cNvPr id="8" name="テキスト ボックス 7">
+            <a:extLst>
+              <a:ext uri="{FF2B5EF4-FFF2-40B4-BE49-F238E27FC236}">
+                <a16:creationId xmlns:a16="http://schemas.microsoft.com/office/drawing/2014/main" id="{B50DA0CF-50F3-DE94-8AEF-756813F94280}"/>
+              </a:ext>
+            </a:extLst>
+          </p:cNvPr>
+          <p:cNvSpPr txBox="1"/>
+          <p:nvPr/>
+        </p:nvSpPr>
+        <p:spPr>
+          <a:xfrm>
+            <a:off x="8959361" y="2584939"/>
+            <a:ext cx="290147" cy="369332"/>
+          </a:xfrm>
+          <a:prstGeom prst="rect">
+            <a:avLst/>
+          </a:prstGeom>
+          <a:noFill/>
+        </p:spPr>
+        <p:txBody>
+          <a:bodyPr wrap="square" rtlCol="0">
+            <a:spAutoFit/>
+          </a:bodyPr>
+          <a:lstStyle/>
+          <a:p>
+            <a:pPr algn="ctr"/>
+            <a:r>
+              <a:rPr kumimoji="1" lang="en-US" altLang="ja-JP" dirty="0">
+                <a:solidFill>
+                  <a:schemeClr val="bg1"/>
+                </a:solidFill>
+              </a:rPr>
+              <a:t>0</a:t>
+            </a:r>
+            <a:endParaRPr kumimoji="1" lang="ja-JP" altLang="en-US" dirty="0">
+              <a:solidFill>
+                <a:schemeClr val="bg1"/>
+              </a:solidFill>
+            </a:endParaRPr>
+          </a:p>
+        </p:txBody>
+      </p:sp>
+      <p:sp>
+        <p:nvSpPr>
+          <p:cNvPr id="9" name="テキスト ボックス 8">
+            <a:extLst>
+              <a:ext uri="{FF2B5EF4-FFF2-40B4-BE49-F238E27FC236}">
+                <a16:creationId xmlns:a16="http://schemas.microsoft.com/office/drawing/2014/main" id="{AE3F3804-EED0-39E1-B4DA-572D5686326C}"/>
+              </a:ext>
+            </a:extLst>
+          </p:cNvPr>
+          <p:cNvSpPr txBox="1"/>
+          <p:nvPr/>
+        </p:nvSpPr>
+        <p:spPr>
+          <a:xfrm>
+            <a:off x="8941776" y="2918962"/>
+            <a:ext cx="290147" cy="369332"/>
+          </a:xfrm>
+          <a:prstGeom prst="rect">
+            <a:avLst/>
+          </a:prstGeom>
+          <a:noFill/>
+        </p:spPr>
+        <p:txBody>
+          <a:bodyPr wrap="square" rtlCol="0">
+            <a:spAutoFit/>
+          </a:bodyPr>
+          <a:lstStyle/>
+          <a:p>
+            <a:pPr algn="ctr"/>
+            <a:r>
+              <a:rPr kumimoji="1" lang="en-US" altLang="ja-JP" dirty="0">
+                <a:solidFill>
+                  <a:schemeClr val="bg1"/>
+                </a:solidFill>
+              </a:rPr>
+              <a:t>1</a:t>
+            </a:r>
+            <a:endParaRPr kumimoji="1" lang="ja-JP" altLang="en-US" dirty="0">
+              <a:solidFill>
+                <a:schemeClr val="bg1"/>
+              </a:solidFill>
+            </a:endParaRPr>
+          </a:p>
+        </p:txBody>
+      </p:sp>
+      <p:sp>
+        <p:nvSpPr>
+          <p:cNvPr id="10" name="テキスト ボックス 9">
+            <a:extLst>
+              <a:ext uri="{FF2B5EF4-FFF2-40B4-BE49-F238E27FC236}">
+                <a16:creationId xmlns:a16="http://schemas.microsoft.com/office/drawing/2014/main" id="{873BFABD-C6C5-1AF7-6B15-2ECC74390CCA}"/>
+              </a:ext>
+            </a:extLst>
+          </p:cNvPr>
+          <p:cNvSpPr txBox="1"/>
+          <p:nvPr/>
+        </p:nvSpPr>
+        <p:spPr>
+          <a:xfrm>
+            <a:off x="8590081" y="2593731"/>
+            <a:ext cx="290147" cy="369332"/>
+          </a:xfrm>
+          <a:prstGeom prst="rect">
+            <a:avLst/>
+          </a:prstGeom>
+          <a:noFill/>
+        </p:spPr>
+        <p:txBody>
+          <a:bodyPr wrap="square" rtlCol="0">
+            <a:spAutoFit/>
+          </a:bodyPr>
+          <a:lstStyle/>
+          <a:p>
+            <a:pPr algn="ctr"/>
+            <a:r>
+              <a:rPr lang="en-US" altLang="ja-JP" dirty="0">
+                <a:solidFill>
+                  <a:schemeClr val="bg1"/>
+                </a:solidFill>
+              </a:rPr>
+              <a:t>2</a:t>
+            </a:r>
+            <a:endParaRPr kumimoji="1" lang="ja-JP" altLang="en-US" dirty="0">
+              <a:solidFill>
+                <a:schemeClr val="bg1"/>
+              </a:solidFill>
+            </a:endParaRPr>
+          </a:p>
+        </p:txBody>
+      </p:sp>
+      <p:sp>
+        <p:nvSpPr>
+          <p:cNvPr id="11" name="テキスト ボックス 10">
+            <a:extLst>
+              <a:ext uri="{FF2B5EF4-FFF2-40B4-BE49-F238E27FC236}">
+                <a16:creationId xmlns:a16="http://schemas.microsoft.com/office/drawing/2014/main" id="{BE126DFC-8BF2-D313-2F80-BEF964F2E5DF}"/>
+              </a:ext>
+            </a:extLst>
+          </p:cNvPr>
+          <p:cNvSpPr txBox="1"/>
+          <p:nvPr/>
+        </p:nvSpPr>
+        <p:spPr>
+          <a:xfrm>
+            <a:off x="6233737" y="2918962"/>
+            <a:ext cx="454273" cy="369332"/>
+          </a:xfrm>
+          <a:prstGeom prst="rect">
+            <a:avLst/>
+          </a:prstGeom>
+          <a:noFill/>
+        </p:spPr>
+        <p:txBody>
+          <a:bodyPr wrap="square" rtlCol="0">
+            <a:spAutoFit/>
+          </a:bodyPr>
+          <a:lstStyle/>
+          <a:p>
+            <a:pPr algn="ctr"/>
+            <a:r>
+              <a:rPr kumimoji="1" lang="en-US" altLang="ja-JP" dirty="0">
+                <a:solidFill>
+                  <a:schemeClr val="bg1"/>
+                </a:solidFill>
+              </a:rPr>
+              <a:t>15</a:t>
+            </a:r>
+            <a:endParaRPr kumimoji="1" lang="ja-JP" altLang="en-US" dirty="0">
+              <a:solidFill>
+                <a:schemeClr val="bg1"/>
+              </a:solidFill>
+            </a:endParaRPr>
+          </a:p>
+        </p:txBody>
+      </p:sp>
+    </p:spTree>
+    <p:extLst>
+      <p:ext uri="{BB962C8B-B14F-4D97-AF65-F5344CB8AC3E}">
+        <p14:creationId xmlns:p14="http://schemas.microsoft.com/office/powerpoint/2010/main" val="205495941"/>
       </p:ext>
     </p:extLst>
   </p:cSld>
